--- a/Sales_Project_Summary_PPT.pptx
+++ b/Sales_Project_Summary_PPT.pptx
@@ -5,9 +5,9 @@
     <p:sldMasterId id="2147483648" r:id="rId1"/>
   </p:sldMasterIdLst>
   <p:sldIdLst>
-    <p:sldId id="256" r:id="rId7"/>
-    <p:sldId id="257" r:id="rId8"/>
-    <p:sldId id="258" r:id="rId9"/>
+    <p:sldId id="256" r:id="rId2"/>
+    <p:sldId id="257" r:id="rId3"/>
+    <p:sldId id="258" r:id="rId4"/>
   </p:sldIdLst>
   <p:sldSz cx="9144000" cy="6858000" type="screen4x3"/>
   <p:notesSz cx="6858000" cy="9144000"/>
@@ -106,6 +106,22 @@
       </a:defRPr>
     </a:lvl9pPr>
   </p:defaultTextStyle>
+  <p:extLst>
+    <p:ext uri="{EFAFB233-063F-42B5-8137-9DF3F51BA10A}">
+      <p15:sldGuideLst xmlns:p15="http://schemas.microsoft.com/office/powerpoint/2012/main">
+        <p15:guide id="1" orient="horz" pos="2160">
+          <p15:clr>
+            <a:srgbClr val="A4A3A4"/>
+          </p15:clr>
+        </p15:guide>
+        <p15:guide id="2" pos="2880">
+          <p15:clr>
+            <a:srgbClr val="A4A3A4"/>
+          </p15:clr>
+        </p15:guide>
+      </p15:sldGuideLst>
+    </p:ext>
+  </p:extLst>
 </p:presentation>
 </file>
 
@@ -147,10 +163,9 @@
           <a:lstStyle/>
           <a:p>
             <a:r>
-              <a:rPr lang="en-US" smtClean="0"/>
+              <a:rPr lang="en-US"/>
               <a:t>Click to edit Master title style</a:t>
             </a:r>
-            <a:endParaRPr lang="en-US"/>
           </a:p>
         </p:txBody>
       </p:sp>
@@ -266,10 +281,9 @@
           </a:lstStyle>
           <a:p>
             <a:r>
-              <a:rPr lang="en-US" smtClean="0"/>
+              <a:rPr lang="en-US"/>
               <a:t>Click to edit Master subtitle style</a:t>
             </a:r>
-            <a:endParaRPr lang="en-US"/>
           </a:p>
         </p:txBody>
       </p:sp>
@@ -290,7 +304,7 @@
           <a:p>
             <a:fld id="{5BCAD085-E8A6-8845-BD4E-CB4CCA059FC4}" type="datetimeFigureOut">
               <a:rPr lang="en-US" smtClean="0"/>
-              <a:t>1/27/13</a:t>
+              <a:t>11/24/2025</a:t>
             </a:fld>
             <a:endParaRPr lang="en-US"/>
           </a:p>
@@ -384,10 +398,9 @@
           <a:lstStyle/>
           <a:p>
             <a:r>
-              <a:rPr lang="en-US" smtClean="0"/>
+              <a:rPr lang="en-US"/>
               <a:t>Click to edit Master title style</a:t>
             </a:r>
-            <a:endParaRPr lang="en-US"/>
           </a:p>
         </p:txBody>
       </p:sp>
@@ -408,38 +421,37 @@
           <a:p>
             <a:pPr lvl="0"/>
             <a:r>
-              <a:rPr lang="en-US" smtClean="0"/>
+              <a:rPr lang="en-US"/>
               <a:t>Click to edit Master text styles</a:t>
             </a:r>
           </a:p>
           <a:p>
             <a:pPr lvl="1"/>
             <a:r>
-              <a:rPr lang="en-US" smtClean="0"/>
+              <a:rPr lang="en-US"/>
               <a:t>Second level</a:t>
             </a:r>
           </a:p>
           <a:p>
             <a:pPr lvl="2"/>
             <a:r>
-              <a:rPr lang="en-US" smtClean="0"/>
+              <a:rPr lang="en-US"/>
               <a:t>Third level</a:t>
             </a:r>
           </a:p>
           <a:p>
             <a:pPr lvl="3"/>
             <a:r>
-              <a:rPr lang="en-US" smtClean="0"/>
+              <a:rPr lang="en-US"/>
               <a:t>Fourth level</a:t>
             </a:r>
           </a:p>
           <a:p>
             <a:pPr lvl="4"/>
             <a:r>
-              <a:rPr lang="en-US" smtClean="0"/>
+              <a:rPr lang="en-US"/>
               <a:t>Fifth level</a:t>
             </a:r>
-            <a:endParaRPr lang="en-US"/>
           </a:p>
         </p:txBody>
       </p:sp>
@@ -460,7 +472,7 @@
           <a:p>
             <a:fld id="{5BCAD085-E8A6-8845-BD4E-CB4CCA059FC4}" type="datetimeFigureOut">
               <a:rPr lang="en-US" smtClean="0"/>
-              <a:t>1/27/13</a:t>
+              <a:t>11/24/2025</a:t>
             </a:fld>
             <a:endParaRPr lang="en-US"/>
           </a:p>
@@ -559,10 +571,9 @@
           <a:lstStyle/>
           <a:p>
             <a:r>
-              <a:rPr lang="en-US" smtClean="0"/>
+              <a:rPr lang="en-US"/>
               <a:t>Click to edit Master title style</a:t>
             </a:r>
-            <a:endParaRPr lang="en-US"/>
           </a:p>
         </p:txBody>
       </p:sp>
@@ -588,38 +599,37 @@
           <a:p>
             <a:pPr lvl="0"/>
             <a:r>
-              <a:rPr lang="en-US" smtClean="0"/>
+              <a:rPr lang="en-US"/>
               <a:t>Click to edit Master text styles</a:t>
             </a:r>
           </a:p>
           <a:p>
             <a:pPr lvl="1"/>
             <a:r>
-              <a:rPr lang="en-US" smtClean="0"/>
+              <a:rPr lang="en-US"/>
               <a:t>Second level</a:t>
             </a:r>
           </a:p>
           <a:p>
             <a:pPr lvl="2"/>
             <a:r>
-              <a:rPr lang="en-US" smtClean="0"/>
+              <a:rPr lang="en-US"/>
               <a:t>Third level</a:t>
             </a:r>
           </a:p>
           <a:p>
             <a:pPr lvl="3"/>
             <a:r>
-              <a:rPr lang="en-US" smtClean="0"/>
+              <a:rPr lang="en-US"/>
               <a:t>Fourth level</a:t>
             </a:r>
           </a:p>
           <a:p>
             <a:pPr lvl="4"/>
             <a:r>
-              <a:rPr lang="en-US" smtClean="0"/>
+              <a:rPr lang="en-US"/>
               <a:t>Fifth level</a:t>
             </a:r>
-            <a:endParaRPr lang="en-US"/>
           </a:p>
         </p:txBody>
       </p:sp>
@@ -640,7 +650,7 @@
           <a:p>
             <a:fld id="{5BCAD085-E8A6-8845-BD4E-CB4CCA059FC4}" type="datetimeFigureOut">
               <a:rPr lang="en-US" smtClean="0"/>
-              <a:t>1/27/13</a:t>
+              <a:t>11/24/2025</a:t>
             </a:fld>
             <a:endParaRPr lang="en-US"/>
           </a:p>
@@ -734,10 +744,9 @@
           <a:lstStyle/>
           <a:p>
             <a:r>
-              <a:rPr lang="en-US" smtClean="0"/>
+              <a:rPr lang="en-US"/>
               <a:t>Click to edit Master title style</a:t>
             </a:r>
-            <a:endParaRPr lang="en-US"/>
           </a:p>
         </p:txBody>
       </p:sp>
@@ -758,38 +767,37 @@
           <a:p>
             <a:pPr lvl="0"/>
             <a:r>
-              <a:rPr lang="en-US" smtClean="0"/>
+              <a:rPr lang="en-US"/>
               <a:t>Click to edit Master text styles</a:t>
             </a:r>
           </a:p>
           <a:p>
             <a:pPr lvl="1"/>
             <a:r>
-              <a:rPr lang="en-US" smtClean="0"/>
+              <a:rPr lang="en-US"/>
               <a:t>Second level</a:t>
             </a:r>
           </a:p>
           <a:p>
             <a:pPr lvl="2"/>
             <a:r>
-              <a:rPr lang="en-US" smtClean="0"/>
+              <a:rPr lang="en-US"/>
               <a:t>Third level</a:t>
             </a:r>
           </a:p>
           <a:p>
             <a:pPr lvl="3"/>
             <a:r>
-              <a:rPr lang="en-US" smtClean="0"/>
+              <a:rPr lang="en-US"/>
               <a:t>Fourth level</a:t>
             </a:r>
           </a:p>
           <a:p>
             <a:pPr lvl="4"/>
             <a:r>
-              <a:rPr lang="en-US" smtClean="0"/>
+              <a:rPr lang="en-US"/>
               <a:t>Fifth level</a:t>
             </a:r>
-            <a:endParaRPr lang="en-US"/>
           </a:p>
         </p:txBody>
       </p:sp>
@@ -810,7 +818,7 @@
           <a:p>
             <a:fld id="{5BCAD085-E8A6-8845-BD4E-CB4CCA059FC4}" type="datetimeFigureOut">
               <a:rPr lang="en-US" smtClean="0"/>
-              <a:t>1/27/13</a:t>
+              <a:t>11/24/2025</a:t>
             </a:fld>
             <a:endParaRPr lang="en-US"/>
           </a:p>
@@ -913,10 +921,9 @@
           </a:lstStyle>
           <a:p>
             <a:r>
-              <a:rPr lang="en-US" smtClean="0"/>
+              <a:rPr lang="en-US"/>
               <a:t>Click to edit Master title style</a:t>
             </a:r>
-            <a:endParaRPr lang="en-US"/>
           </a:p>
         </p:txBody>
       </p:sp>
@@ -1033,7 +1040,7 @@
           <a:p>
             <a:pPr lvl="0"/>
             <a:r>
-              <a:rPr lang="en-US" smtClean="0"/>
+              <a:rPr lang="en-US"/>
               <a:t>Click to edit Master text styles</a:t>
             </a:r>
           </a:p>
@@ -1056,7 +1063,7 @@
           <a:p>
             <a:fld id="{5BCAD085-E8A6-8845-BD4E-CB4CCA059FC4}" type="datetimeFigureOut">
               <a:rPr lang="en-US" smtClean="0"/>
-              <a:t>1/27/13</a:t>
+              <a:t>11/24/2025</a:t>
             </a:fld>
             <a:endParaRPr lang="en-US"/>
           </a:p>
@@ -1150,10 +1157,9 @@
           <a:lstStyle/>
           <a:p>
             <a:r>
-              <a:rPr lang="en-US" smtClean="0"/>
+              <a:rPr lang="en-US"/>
               <a:t>Click to edit Master title style</a:t>
             </a:r>
-            <a:endParaRPr lang="en-US"/>
           </a:p>
         </p:txBody>
       </p:sp>
@@ -1207,38 +1213,37 @@
           <a:p>
             <a:pPr lvl="0"/>
             <a:r>
-              <a:rPr lang="en-US" smtClean="0"/>
+              <a:rPr lang="en-US"/>
               <a:t>Click to edit Master text styles</a:t>
             </a:r>
           </a:p>
           <a:p>
             <a:pPr lvl="1"/>
             <a:r>
-              <a:rPr lang="en-US" smtClean="0"/>
+              <a:rPr lang="en-US"/>
               <a:t>Second level</a:t>
             </a:r>
           </a:p>
           <a:p>
             <a:pPr lvl="2"/>
             <a:r>
-              <a:rPr lang="en-US" smtClean="0"/>
+              <a:rPr lang="en-US"/>
               <a:t>Third level</a:t>
             </a:r>
           </a:p>
           <a:p>
             <a:pPr lvl="3"/>
             <a:r>
-              <a:rPr lang="en-US" smtClean="0"/>
+              <a:rPr lang="en-US"/>
               <a:t>Fourth level</a:t>
             </a:r>
           </a:p>
           <a:p>
             <a:pPr lvl="4"/>
             <a:r>
-              <a:rPr lang="en-US" smtClean="0"/>
+              <a:rPr lang="en-US"/>
               <a:t>Fifth level</a:t>
             </a:r>
-            <a:endParaRPr lang="en-US"/>
           </a:p>
         </p:txBody>
       </p:sp>
@@ -1292,38 +1297,37 @@
           <a:p>
             <a:pPr lvl="0"/>
             <a:r>
-              <a:rPr lang="en-US" smtClean="0"/>
+              <a:rPr lang="en-US"/>
               <a:t>Click to edit Master text styles</a:t>
             </a:r>
           </a:p>
           <a:p>
             <a:pPr lvl="1"/>
             <a:r>
-              <a:rPr lang="en-US" smtClean="0"/>
+              <a:rPr lang="en-US"/>
               <a:t>Second level</a:t>
             </a:r>
           </a:p>
           <a:p>
             <a:pPr lvl="2"/>
             <a:r>
-              <a:rPr lang="en-US" smtClean="0"/>
+              <a:rPr lang="en-US"/>
               <a:t>Third level</a:t>
             </a:r>
           </a:p>
           <a:p>
             <a:pPr lvl="3"/>
             <a:r>
-              <a:rPr lang="en-US" smtClean="0"/>
+              <a:rPr lang="en-US"/>
               <a:t>Fourth level</a:t>
             </a:r>
           </a:p>
           <a:p>
             <a:pPr lvl="4"/>
             <a:r>
-              <a:rPr lang="en-US" smtClean="0"/>
+              <a:rPr lang="en-US"/>
               <a:t>Fifth level</a:t>
             </a:r>
-            <a:endParaRPr lang="en-US"/>
           </a:p>
         </p:txBody>
       </p:sp>
@@ -1344,7 +1348,7 @@
           <a:p>
             <a:fld id="{5BCAD085-E8A6-8845-BD4E-CB4CCA059FC4}" type="datetimeFigureOut">
               <a:rPr lang="en-US" smtClean="0"/>
-              <a:t>1/27/13</a:t>
+              <a:t>11/24/2025</a:t>
             </a:fld>
             <a:endParaRPr lang="en-US"/>
           </a:p>
@@ -1442,10 +1446,9 @@
           </a:lstStyle>
           <a:p>
             <a:r>
-              <a:rPr lang="en-US" smtClean="0"/>
+              <a:rPr lang="en-US"/>
               <a:t>Click to edit Master title style</a:t>
             </a:r>
-            <a:endParaRPr lang="en-US"/>
           </a:p>
         </p:txBody>
       </p:sp>
@@ -1508,7 +1511,7 @@
           <a:p>
             <a:pPr lvl="0"/>
             <a:r>
-              <a:rPr lang="en-US" smtClean="0"/>
+              <a:rPr lang="en-US"/>
               <a:t>Click to edit Master text styles</a:t>
             </a:r>
           </a:p>
@@ -1564,38 +1567,37 @@
           <a:p>
             <a:pPr lvl="0"/>
             <a:r>
-              <a:rPr lang="en-US" smtClean="0"/>
+              <a:rPr lang="en-US"/>
               <a:t>Click to edit Master text styles</a:t>
             </a:r>
           </a:p>
           <a:p>
             <a:pPr lvl="1"/>
             <a:r>
-              <a:rPr lang="en-US" smtClean="0"/>
+              <a:rPr lang="en-US"/>
               <a:t>Second level</a:t>
             </a:r>
           </a:p>
           <a:p>
             <a:pPr lvl="2"/>
             <a:r>
-              <a:rPr lang="en-US" smtClean="0"/>
+              <a:rPr lang="en-US"/>
               <a:t>Third level</a:t>
             </a:r>
           </a:p>
           <a:p>
             <a:pPr lvl="3"/>
             <a:r>
-              <a:rPr lang="en-US" smtClean="0"/>
+              <a:rPr lang="en-US"/>
               <a:t>Fourth level</a:t>
             </a:r>
           </a:p>
           <a:p>
             <a:pPr lvl="4"/>
             <a:r>
-              <a:rPr lang="en-US" smtClean="0"/>
+              <a:rPr lang="en-US"/>
               <a:t>Fifth level</a:t>
             </a:r>
-            <a:endParaRPr lang="en-US"/>
           </a:p>
         </p:txBody>
       </p:sp>
@@ -1658,7 +1660,7 @@
           <a:p>
             <a:pPr lvl="0"/>
             <a:r>
-              <a:rPr lang="en-US" smtClean="0"/>
+              <a:rPr lang="en-US"/>
               <a:t>Click to edit Master text styles</a:t>
             </a:r>
           </a:p>
@@ -1714,38 +1716,37 @@
           <a:p>
             <a:pPr lvl="0"/>
             <a:r>
-              <a:rPr lang="en-US" smtClean="0"/>
+              <a:rPr lang="en-US"/>
               <a:t>Click to edit Master text styles</a:t>
             </a:r>
           </a:p>
           <a:p>
             <a:pPr lvl="1"/>
             <a:r>
-              <a:rPr lang="en-US" smtClean="0"/>
+              <a:rPr lang="en-US"/>
               <a:t>Second level</a:t>
             </a:r>
           </a:p>
           <a:p>
             <a:pPr lvl="2"/>
             <a:r>
-              <a:rPr lang="en-US" smtClean="0"/>
+              <a:rPr lang="en-US"/>
               <a:t>Third level</a:t>
             </a:r>
           </a:p>
           <a:p>
             <a:pPr lvl="3"/>
             <a:r>
-              <a:rPr lang="en-US" smtClean="0"/>
+              <a:rPr lang="en-US"/>
               <a:t>Fourth level</a:t>
             </a:r>
           </a:p>
           <a:p>
             <a:pPr lvl="4"/>
             <a:r>
-              <a:rPr lang="en-US" smtClean="0"/>
+              <a:rPr lang="en-US"/>
               <a:t>Fifth level</a:t>
             </a:r>
-            <a:endParaRPr lang="en-US"/>
           </a:p>
         </p:txBody>
       </p:sp>
@@ -1766,7 +1767,7 @@
           <a:p>
             <a:fld id="{5BCAD085-E8A6-8845-BD4E-CB4CCA059FC4}" type="datetimeFigureOut">
               <a:rPr lang="en-US" smtClean="0"/>
-              <a:t>1/27/13</a:t>
+              <a:t>11/24/2025</a:t>
             </a:fld>
             <a:endParaRPr lang="en-US"/>
           </a:p>
@@ -1860,10 +1861,9 @@
           <a:lstStyle/>
           <a:p>
             <a:r>
-              <a:rPr lang="en-US" smtClean="0"/>
+              <a:rPr lang="en-US"/>
               <a:t>Click to edit Master title style</a:t>
             </a:r>
-            <a:endParaRPr lang="en-US"/>
           </a:p>
         </p:txBody>
       </p:sp>
@@ -1884,7 +1884,7 @@
           <a:p>
             <a:fld id="{5BCAD085-E8A6-8845-BD4E-CB4CCA059FC4}" type="datetimeFigureOut">
               <a:rPr lang="en-US" smtClean="0"/>
-              <a:t>1/27/13</a:t>
+              <a:t>11/24/2025</a:t>
             </a:fld>
             <a:endParaRPr lang="en-US"/>
           </a:p>
@@ -1979,7 +1979,7 @@
           <a:p>
             <a:fld id="{5BCAD085-E8A6-8845-BD4E-CB4CCA059FC4}" type="datetimeFigureOut">
               <a:rPr lang="en-US" smtClean="0"/>
-              <a:t>1/27/13</a:t>
+              <a:t>11/24/2025</a:t>
             </a:fld>
             <a:endParaRPr lang="en-US"/>
           </a:p>
@@ -2082,10 +2082,9 @@
           </a:lstStyle>
           <a:p>
             <a:r>
-              <a:rPr lang="en-US" smtClean="0"/>
+              <a:rPr lang="en-US"/>
               <a:t>Click to edit Master title style</a:t>
             </a:r>
-            <a:endParaRPr lang="en-US"/>
           </a:p>
         </p:txBody>
       </p:sp>
@@ -2139,38 +2138,37 @@
           <a:p>
             <a:pPr lvl="0"/>
             <a:r>
-              <a:rPr lang="en-US" smtClean="0"/>
+              <a:rPr lang="en-US"/>
               <a:t>Click to edit Master text styles</a:t>
             </a:r>
           </a:p>
           <a:p>
             <a:pPr lvl="1"/>
             <a:r>
-              <a:rPr lang="en-US" smtClean="0"/>
+              <a:rPr lang="en-US"/>
               <a:t>Second level</a:t>
             </a:r>
           </a:p>
           <a:p>
             <a:pPr lvl="2"/>
             <a:r>
-              <a:rPr lang="en-US" smtClean="0"/>
+              <a:rPr lang="en-US"/>
               <a:t>Third level</a:t>
             </a:r>
           </a:p>
           <a:p>
             <a:pPr lvl="3"/>
             <a:r>
-              <a:rPr lang="en-US" smtClean="0"/>
+              <a:rPr lang="en-US"/>
               <a:t>Fourth level</a:t>
             </a:r>
           </a:p>
           <a:p>
             <a:pPr lvl="4"/>
             <a:r>
-              <a:rPr lang="en-US" smtClean="0"/>
+              <a:rPr lang="en-US"/>
               <a:t>Fifth level</a:t>
             </a:r>
-            <a:endParaRPr lang="en-US"/>
           </a:p>
         </p:txBody>
       </p:sp>
@@ -2233,7 +2231,7 @@
           <a:p>
             <a:pPr lvl="0"/>
             <a:r>
-              <a:rPr lang="en-US" smtClean="0"/>
+              <a:rPr lang="en-US"/>
               <a:t>Click to edit Master text styles</a:t>
             </a:r>
           </a:p>
@@ -2256,7 +2254,7 @@
           <a:p>
             <a:fld id="{5BCAD085-E8A6-8845-BD4E-CB4CCA059FC4}" type="datetimeFigureOut">
               <a:rPr lang="en-US" smtClean="0"/>
-              <a:t>1/27/13</a:t>
+              <a:t>11/24/2025</a:t>
             </a:fld>
             <a:endParaRPr lang="en-US"/>
           </a:p>
@@ -2359,10 +2357,9 @@
           </a:lstStyle>
           <a:p>
             <a:r>
-              <a:rPr lang="en-US" smtClean="0"/>
+              <a:rPr lang="en-US"/>
               <a:t>Click to edit Master title style</a:t>
             </a:r>
-            <a:endParaRPr lang="en-US"/>
           </a:p>
         </p:txBody>
       </p:sp>
@@ -2486,7 +2483,7 @@
           <a:p>
             <a:pPr lvl="0"/>
             <a:r>
-              <a:rPr lang="en-US" smtClean="0"/>
+              <a:rPr lang="en-US"/>
               <a:t>Click to edit Master text styles</a:t>
             </a:r>
           </a:p>
@@ -2509,7 +2506,7 @@
           <a:p>
             <a:fld id="{5BCAD085-E8A6-8845-BD4E-CB4CCA059FC4}" type="datetimeFigureOut">
               <a:rPr lang="en-US" smtClean="0"/>
-              <a:t>1/27/13</a:t>
+              <a:t>11/24/2025</a:t>
             </a:fld>
             <a:endParaRPr lang="en-US"/>
           </a:p>
@@ -2618,10 +2615,9 @@
           <a:lstStyle/>
           <a:p>
             <a:r>
-              <a:rPr lang="en-US" smtClean="0"/>
+              <a:rPr lang="en-US"/>
               <a:t>Click to edit Master title style</a:t>
             </a:r>
-            <a:endParaRPr lang="en-US"/>
           </a:p>
         </p:txBody>
       </p:sp>
@@ -2652,38 +2648,37 @@
           <a:p>
             <a:pPr lvl="0"/>
             <a:r>
-              <a:rPr lang="en-US" smtClean="0"/>
+              <a:rPr lang="en-US"/>
               <a:t>Click to edit Master text styles</a:t>
             </a:r>
           </a:p>
           <a:p>
             <a:pPr lvl="1"/>
             <a:r>
-              <a:rPr lang="en-US" smtClean="0"/>
+              <a:rPr lang="en-US"/>
               <a:t>Second level</a:t>
             </a:r>
           </a:p>
           <a:p>
             <a:pPr lvl="2"/>
             <a:r>
-              <a:rPr lang="en-US" smtClean="0"/>
+              <a:rPr lang="en-US"/>
               <a:t>Third level</a:t>
             </a:r>
           </a:p>
           <a:p>
             <a:pPr lvl="3"/>
             <a:r>
-              <a:rPr lang="en-US" smtClean="0"/>
+              <a:rPr lang="en-US"/>
               <a:t>Fourth level</a:t>
             </a:r>
           </a:p>
           <a:p>
             <a:pPr lvl="4"/>
             <a:r>
-              <a:rPr lang="en-US" smtClean="0"/>
+              <a:rPr lang="en-US"/>
               <a:t>Fifth level</a:t>
             </a:r>
-            <a:endParaRPr lang="en-US"/>
           </a:p>
         </p:txBody>
       </p:sp>
@@ -2722,7 +2717,7 @@
           <a:p>
             <a:fld id="{5BCAD085-E8A6-8845-BD4E-CB4CCA059FC4}" type="datetimeFigureOut">
               <a:rPr lang="en-US" smtClean="0"/>
-              <a:t>1/27/13</a:t>
+              <a:t>11/24/2025</a:t>
             </a:fld>
             <a:endParaRPr lang="en-US"/>
           </a:p>
@@ -3081,7 +3076,7 @@
 </file>
 
 <file path=ppt/slides/slide1.xml><?xml version="1.0" encoding="utf-8"?>
-<p:sld xmlns:a="http://schemas.openxmlformats.org/drawingml/2006/main" xmlns:p="http://schemas.openxmlformats.org/presentationml/2006/main" xmlns:r="http://schemas.openxmlformats.org/officeDocument/2006/relationships">
+<p:sld xmlns:a="http://schemas.openxmlformats.org/drawingml/2006/main" xmlns:r="http://schemas.openxmlformats.org/officeDocument/2006/relationships" xmlns:p="http://schemas.openxmlformats.org/presentationml/2006/main">
   <p:cSld>
     <p:spTree>
       <p:nvGrpSpPr>
@@ -3089,7 +3084,14 @@
         <p:cNvGrpSpPr/>
         <p:nvPr/>
       </p:nvGrpSpPr>
-      <p:grpSpPr/>
+      <p:grpSpPr>
+        <a:xfrm>
+          <a:off x="0" y="0"/>
+          <a:ext cx="0" cy="0"/>
+          <a:chOff x="0" y="0"/>
+          <a:chExt cx="0" cy="0"/>
+        </a:xfrm>
+      </p:grpSpPr>
       <p:sp>
         <p:nvSpPr>
           <p:cNvPr id="2" name="Title 1"/>
@@ -3127,7 +3129,12 @@
           <a:lstStyle/>
           <a:p>
             <a:r>
-              <a:t>Prepared by ChatGPT (Your Assistant)</a:t>
+              <a:rPr dirty="0"/>
+              <a:t>Prepared by </a:t>
+            </a:r>
+            <a:r>
+              <a:rPr lang="en-US" dirty="0"/>
+              <a:t>Subalakshmi</a:t>
             </a:r>
           </a:p>
         </p:txBody>
@@ -3141,7 +3148,7 @@
 </file>
 
 <file path=ppt/slides/slide2.xml><?xml version="1.0" encoding="utf-8"?>
-<p:sld xmlns:a="http://schemas.openxmlformats.org/drawingml/2006/main" xmlns:p="http://schemas.openxmlformats.org/presentationml/2006/main" xmlns:r="http://schemas.openxmlformats.org/officeDocument/2006/relationships">
+<p:sld xmlns:a="http://schemas.openxmlformats.org/drawingml/2006/main" xmlns:r="http://schemas.openxmlformats.org/officeDocument/2006/relationships" xmlns:p="http://schemas.openxmlformats.org/presentationml/2006/main">
   <p:cSld>
     <p:spTree>
       <p:nvGrpSpPr>
@@ -3149,7 +3156,14 @@
         <p:cNvGrpSpPr/>
         <p:nvPr/>
       </p:nvGrpSpPr>
-      <p:grpSpPr/>
+      <p:grpSpPr>
+        <a:xfrm>
+          <a:off x="0" y="0"/>
+          <a:ext cx="0" cy="0"/>
+          <a:chOff x="0" y="0"/>
+          <a:chExt cx="0" cy="0"/>
+        </a:xfrm>
+      </p:grpSpPr>
       <p:sp>
         <p:nvSpPr>
           <p:cNvPr id="2" name="Title 1"/>
@@ -3220,7 +3234,9 @@
               <a:t>- Hyperparameter tuning using GridSearchCV</a:t>
             </a:r>
           </a:p>
-          <a:p/>
+          <a:p>
+            <a:endParaRPr/>
+          </a:p>
           <a:p>
             <a:r>
               <a:t>Prepared by: ChatGPT</a:t>
@@ -3237,7 +3253,7 @@
 </file>
 
 <file path=ppt/slides/slide3.xml><?xml version="1.0" encoding="utf-8"?>
-<p:sld xmlns:a="http://schemas.openxmlformats.org/drawingml/2006/main" xmlns:p="http://schemas.openxmlformats.org/presentationml/2006/main" xmlns:r="http://schemas.openxmlformats.org/officeDocument/2006/relationships">
+<p:sld xmlns:a="http://schemas.openxmlformats.org/drawingml/2006/main" xmlns:r="http://schemas.openxmlformats.org/officeDocument/2006/relationships" xmlns:p="http://schemas.openxmlformats.org/presentationml/2006/main">
   <p:cSld>
     <p:spTree>
       <p:nvGrpSpPr>
@@ -3245,7 +3261,14 @@
         <p:cNvGrpSpPr/>
         <p:nvPr/>
       </p:nvGrpSpPr>
-      <p:grpSpPr/>
+      <p:grpSpPr>
+        <a:xfrm>
+          <a:off x="0" y="0"/>
+          <a:ext cx="0" cy="0"/>
+          <a:chOff x="0" y="0"/>
+          <a:chExt cx="0" cy="0"/>
+        </a:xfrm>
+      </p:grpSpPr>
       <p:sp>
         <p:nvSpPr>
           <p:cNvPr id="2" name="Title 1"/>
@@ -3311,7 +3334,9 @@
               <a:t>- KMeans clustering</a:t>
             </a:r>
           </a:p>
-          <a:p/>
+          <a:p>
+            <a:endParaRPr/>
+          </a:p>
           <a:p>
             <a:r>
               <a:t>Prepared by: ChatGPT</a:t>

--- a/Sales_Project_Summary_PPT.pptx
+++ b/Sales_Project_Summary_PPT.pptx
@@ -8,6 +8,10 @@
     <p:sldId id="256" r:id="rId2"/>
     <p:sldId id="257" r:id="rId3"/>
     <p:sldId id="258" r:id="rId4"/>
+    <p:sldId id="259" r:id="rId5"/>
+    <p:sldId id="260" r:id="rId6"/>
+    <p:sldId id="261" r:id="rId7"/>
+    <p:sldId id="262" r:id="rId8"/>
   </p:sldIdLst>
   <p:sldSz cx="9144000" cy="6858000" type="screen4x3"/>
   <p:notesSz cx="6858000" cy="9144000"/>
@@ -304,7 +308,7 @@
           <a:p>
             <a:fld id="{5BCAD085-E8A6-8845-BD4E-CB4CCA059FC4}" type="datetimeFigureOut">
               <a:rPr lang="en-US" smtClean="0"/>
-              <a:t>11/24/2025</a:t>
+              <a:t>11/25/2025</a:t>
             </a:fld>
             <a:endParaRPr lang="en-US"/>
           </a:p>
@@ -472,7 +476,7 @@
           <a:p>
             <a:fld id="{5BCAD085-E8A6-8845-BD4E-CB4CCA059FC4}" type="datetimeFigureOut">
               <a:rPr lang="en-US" smtClean="0"/>
-              <a:t>11/24/2025</a:t>
+              <a:t>11/25/2025</a:t>
             </a:fld>
             <a:endParaRPr lang="en-US"/>
           </a:p>
@@ -650,7 +654,7 @@
           <a:p>
             <a:fld id="{5BCAD085-E8A6-8845-BD4E-CB4CCA059FC4}" type="datetimeFigureOut">
               <a:rPr lang="en-US" smtClean="0"/>
-              <a:t>11/24/2025</a:t>
+              <a:t>11/25/2025</a:t>
             </a:fld>
             <a:endParaRPr lang="en-US"/>
           </a:p>
@@ -818,7 +822,7 @@
           <a:p>
             <a:fld id="{5BCAD085-E8A6-8845-BD4E-CB4CCA059FC4}" type="datetimeFigureOut">
               <a:rPr lang="en-US" smtClean="0"/>
-              <a:t>11/24/2025</a:t>
+              <a:t>11/25/2025</a:t>
             </a:fld>
             <a:endParaRPr lang="en-US"/>
           </a:p>
@@ -1063,7 +1067,7 @@
           <a:p>
             <a:fld id="{5BCAD085-E8A6-8845-BD4E-CB4CCA059FC4}" type="datetimeFigureOut">
               <a:rPr lang="en-US" smtClean="0"/>
-              <a:t>11/24/2025</a:t>
+              <a:t>11/25/2025</a:t>
             </a:fld>
             <a:endParaRPr lang="en-US"/>
           </a:p>
@@ -1348,7 +1352,7 @@
           <a:p>
             <a:fld id="{5BCAD085-E8A6-8845-BD4E-CB4CCA059FC4}" type="datetimeFigureOut">
               <a:rPr lang="en-US" smtClean="0"/>
-              <a:t>11/24/2025</a:t>
+              <a:t>11/25/2025</a:t>
             </a:fld>
             <a:endParaRPr lang="en-US"/>
           </a:p>
@@ -1767,7 +1771,7 @@
           <a:p>
             <a:fld id="{5BCAD085-E8A6-8845-BD4E-CB4CCA059FC4}" type="datetimeFigureOut">
               <a:rPr lang="en-US" smtClean="0"/>
-              <a:t>11/24/2025</a:t>
+              <a:t>11/25/2025</a:t>
             </a:fld>
             <a:endParaRPr lang="en-US"/>
           </a:p>
@@ -1884,7 +1888,7 @@
           <a:p>
             <a:fld id="{5BCAD085-E8A6-8845-BD4E-CB4CCA059FC4}" type="datetimeFigureOut">
               <a:rPr lang="en-US" smtClean="0"/>
-              <a:t>11/24/2025</a:t>
+              <a:t>11/25/2025</a:t>
             </a:fld>
             <a:endParaRPr lang="en-US"/>
           </a:p>
@@ -1979,7 +1983,7 @@
           <a:p>
             <a:fld id="{5BCAD085-E8A6-8845-BD4E-CB4CCA059FC4}" type="datetimeFigureOut">
               <a:rPr lang="en-US" smtClean="0"/>
-              <a:t>11/24/2025</a:t>
+              <a:t>11/25/2025</a:t>
             </a:fld>
             <a:endParaRPr lang="en-US"/>
           </a:p>
@@ -2254,7 +2258,7 @@
           <a:p>
             <a:fld id="{5BCAD085-E8A6-8845-BD4E-CB4CCA059FC4}" type="datetimeFigureOut">
               <a:rPr lang="en-US" smtClean="0"/>
-              <a:t>11/24/2025</a:t>
+              <a:t>11/25/2025</a:t>
             </a:fld>
             <a:endParaRPr lang="en-US"/>
           </a:p>
@@ -2506,7 +2510,7 @@
           <a:p>
             <a:fld id="{5BCAD085-E8A6-8845-BD4E-CB4CCA059FC4}" type="datetimeFigureOut">
               <a:rPr lang="en-US" smtClean="0"/>
-              <a:t>11/24/2025</a:t>
+              <a:t>11/25/2025</a:t>
             </a:fld>
             <a:endParaRPr lang="en-US"/>
           </a:p>
@@ -2717,7 +2721,7 @@
           <a:p>
             <a:fld id="{5BCAD085-E8A6-8845-BD4E-CB4CCA059FC4}" type="datetimeFigureOut">
               <a:rPr lang="en-US" smtClean="0"/>
-              <a:t>11/24/2025</a:t>
+              <a:t>11/25/2025</a:t>
             </a:fld>
             <a:endParaRPr lang="en-US"/>
           </a:p>
@@ -3102,13 +3106,55 @@
             <p:ph type="ctrTitle"/>
           </p:nvPr>
         </p:nvSpPr>
-        <p:spPr/>
-        <p:txBody>
-          <a:bodyPr/>
-          <a:lstStyle/>
-          <a:p>
-            <a:r>
-              <a:t>Sales Forecasting &amp; Clustering Project</a:t>
+        <p:spPr>
+          <a:xfrm>
+            <a:off x="685800" y="1395412"/>
+            <a:ext cx="7772400" cy="2860902"/>
+          </a:xfrm>
+        </p:spPr>
+        <p:txBody>
+          <a:bodyPr numCol="1">
+            <a:noAutofit/>
+          </a:bodyPr>
+          <a:lstStyle/>
+          <a:p>
+            <a:r>
+              <a:rPr sz="6000" b="1" dirty="0">
+                <a:solidFill>
+                  <a:srgbClr val="002060"/>
+                </a:solidFill>
+              </a:rPr>
+              <a:t>Sales Forecasting </a:t>
+            </a:r>
+            <a:br>
+              <a:rPr lang="en-US" sz="6000" b="1" dirty="0">
+                <a:solidFill>
+                  <a:srgbClr val="002060"/>
+                </a:solidFill>
+              </a:rPr>
+            </a:br>
+            <a:r>
+              <a:rPr sz="6000" b="1" dirty="0">
+                <a:solidFill>
+                  <a:srgbClr val="002060"/>
+                </a:solidFill>
+              </a:rPr>
+              <a:t>&amp; </a:t>
+            </a:r>
+            <a:br>
+              <a:rPr lang="en-US" sz="6000" b="1" dirty="0">
+                <a:solidFill>
+                  <a:srgbClr val="002060"/>
+                </a:solidFill>
+              </a:rPr>
+            </a:br>
+            <a:r>
+              <a:rPr sz="6000" b="1" dirty="0">
+                <a:solidFill>
+                  <a:srgbClr val="002060"/>
+                </a:solidFill>
+              </a:rPr>
+              <a:t>Clustering Project</a:t>
             </a:r>
           </a:p>
         </p:txBody>
@@ -3123,17 +3169,32 @@
             <p:ph type="subTitle" idx="1"/>
           </p:nvPr>
         </p:nvSpPr>
-        <p:spPr/>
-        <p:txBody>
-          <a:bodyPr/>
-          <a:lstStyle/>
-          <a:p>
-            <a:r>
-              <a:rPr dirty="0"/>
+        <p:spPr>
+          <a:xfrm>
+            <a:off x="4757057" y="6226629"/>
+            <a:ext cx="4386943" cy="631371"/>
+          </a:xfrm>
+        </p:spPr>
+        <p:txBody>
+          <a:bodyPr>
+            <a:normAutofit/>
+          </a:bodyPr>
+          <a:lstStyle/>
+          <a:p>
+            <a:r>
+              <a:rPr sz="2800" b="1" dirty="0">
+                <a:solidFill>
+                  <a:srgbClr val="00B050"/>
+                </a:solidFill>
+              </a:rPr>
               <a:t>Prepared by </a:t>
             </a:r>
             <a:r>
-              <a:rPr lang="en-US" dirty="0"/>
+              <a:rPr lang="en-US" sz="2800" b="1" dirty="0">
+                <a:solidFill>
+                  <a:srgbClr val="00B050"/>
+                </a:solidFill>
+              </a:rPr>
               <a:t>Subalakshmi</a:t>
             </a:r>
           </a:p>
@@ -3176,10 +3237,17 @@
         </p:nvSpPr>
         <p:spPr/>
         <p:txBody>
-          <a:bodyPr/>
-          <a:lstStyle/>
-          <a:p>
-            <a:r>
+          <a:bodyPr>
+            <a:normAutofit/>
+          </a:bodyPr>
+          <a:lstStyle/>
+          <a:p>
+            <a:r>
+              <a:rPr b="1" dirty="0">
+                <a:solidFill>
+                  <a:srgbClr val="00B050"/>
+                </a:solidFill>
+              </a:rPr>
               <a:t>Project Overview</a:t>
             </a:r>
           </a:p>
@@ -3195,52 +3263,84 @@
             <p:ph idx="1"/>
           </p:nvPr>
         </p:nvSpPr>
-        <p:spPr/>
-        <p:txBody>
-          <a:bodyPr/>
-          <a:lstStyle/>
-          <a:p>
-            <a:r>
-              <a:t>- Daily sales forecasting using XGBoost (Supervised Learning)</a:t>
-            </a:r>
-          </a:p>
-          <a:p>
-            <a:r>
-              <a:t>- KMeans clustering on sales lag features (Unsupervised Learning)</a:t>
-            </a:r>
-          </a:p>
-          <a:p>
-            <a:r>
+        <p:spPr>
+          <a:xfrm>
+            <a:off x="239486" y="1894114"/>
+            <a:ext cx="8828314" cy="3624943"/>
+          </a:xfrm>
+        </p:spPr>
+        <p:txBody>
+          <a:bodyPr>
+            <a:noAutofit/>
+          </a:bodyPr>
+          <a:lstStyle/>
+          <a:p>
+            <a:r>
+              <a:rPr sz="2400" dirty="0"/>
+              <a:t>- Daily sales forecasting using </a:t>
+            </a:r>
+            <a:r>
+              <a:rPr sz="2400" dirty="0" err="1"/>
+              <a:t>XGBoost</a:t>
+            </a:r>
+            <a:r>
+              <a:rPr sz="2400" dirty="0"/>
+              <a:t> (Supervised Learning)</a:t>
+            </a:r>
+          </a:p>
+          <a:p>
+            <a:r>
+              <a:rPr sz="2400" dirty="0"/>
+              <a:t>- </a:t>
+            </a:r>
+            <a:r>
+              <a:rPr sz="2400" dirty="0" err="1"/>
+              <a:t>KMeans</a:t>
+            </a:r>
+            <a:r>
+              <a:rPr sz="2400" dirty="0"/>
+              <a:t> clustering on sales lag features (Unsupervised Learning)</a:t>
+            </a:r>
+          </a:p>
+          <a:p>
+            <a:r>
+              <a:rPr sz="2400" dirty="0"/>
               <a:t>- 3+ Visualizations: Trend, Boxplot, Clusters, Feature Importance</a:t>
             </a:r>
           </a:p>
           <a:p>
             <a:r>
+              <a:rPr sz="2400" dirty="0"/>
               <a:t>- Preprocessing: date parsing, aggregation, lag features, scaling</a:t>
             </a:r>
           </a:p>
           <a:p>
             <a:r>
+              <a:rPr sz="2400" dirty="0"/>
               <a:t>- Metrics: RMSE, MAE, R²</a:t>
             </a:r>
           </a:p>
           <a:p>
             <a:r>
-              <a:t>- Cross-validation: TimeSeriesSplit</a:t>
-            </a:r>
-          </a:p>
-          <a:p>
-            <a:r>
-              <a:t>- Hyperparameter tuning using GridSearchCV</a:t>
-            </a:r>
-          </a:p>
-          <a:p>
-            <a:endParaRPr/>
-          </a:p>
-          <a:p>
-            <a:r>
-              <a:t>Prepared by: ChatGPT</a:t>
-            </a:r>
+              <a:rPr sz="2400" dirty="0"/>
+              <a:t>- Cross-validation: </a:t>
+            </a:r>
+            <a:r>
+              <a:rPr sz="2400" dirty="0" err="1"/>
+              <a:t>TimeSeriesSplit</a:t>
+            </a:r>
+            <a:endParaRPr sz="2400" dirty="0"/>
+          </a:p>
+          <a:p>
+            <a:r>
+              <a:rPr sz="2400" dirty="0"/>
+              <a:t>- Hyperparameter tuning using </a:t>
+            </a:r>
+            <a:r>
+              <a:rPr sz="2400" dirty="0" err="1"/>
+              <a:t>GridSearchCV</a:t>
+            </a:r>
+            <a:endParaRPr sz="2400" dirty="0"/>
           </a:p>
         </p:txBody>
       </p:sp>
@@ -3281,10 +3381,17 @@
         </p:nvSpPr>
         <p:spPr/>
         <p:txBody>
-          <a:bodyPr/>
-          <a:lstStyle/>
-          <a:p>
-            <a:r>
+          <a:bodyPr>
+            <a:normAutofit/>
+          </a:bodyPr>
+          <a:lstStyle/>
+          <a:p>
+            <a:r>
+              <a:rPr sz="4800" b="1" dirty="0">
+                <a:solidFill>
+                  <a:srgbClr val="C00000"/>
+                </a:solidFill>
+              </a:rPr>
               <a:t>Tech Stack</a:t>
             </a:r>
           </a:p>
@@ -3302,49 +3409,453 @@
         </p:nvSpPr>
         <p:spPr/>
         <p:txBody>
-          <a:bodyPr/>
-          <a:lstStyle/>
-          <a:p>
-            <a:r>
+          <a:bodyPr>
+            <a:normAutofit/>
+          </a:bodyPr>
+          <a:lstStyle/>
+          <a:p>
+            <a:r>
+              <a:rPr sz="2800" dirty="0"/>
               <a:t>- Python</a:t>
             </a:r>
           </a:p>
           <a:p>
             <a:r>
+              <a:rPr sz="2800" dirty="0"/>
               <a:t>- Pandas, NumPy</a:t>
             </a:r>
           </a:p>
           <a:p>
             <a:r>
+              <a:rPr sz="2800" dirty="0"/>
               <a:t>- Matplotlib</a:t>
             </a:r>
           </a:p>
           <a:p>
             <a:r>
+              <a:rPr sz="2800" dirty="0"/>
               <a:t>- Scikit-learn</a:t>
             </a:r>
           </a:p>
           <a:p>
             <a:r>
-              <a:t>- XGBoost</a:t>
-            </a:r>
-          </a:p>
-          <a:p>
-            <a:r>
-              <a:t>- KMeans clustering</a:t>
-            </a:r>
-          </a:p>
-          <a:p>
-            <a:endParaRPr/>
-          </a:p>
-          <a:p>
-            <a:r>
-              <a:t>Prepared by: ChatGPT</a:t>
+              <a:rPr sz="2800" dirty="0"/>
+              <a:t>- </a:t>
+            </a:r>
+            <a:r>
+              <a:rPr sz="2800" dirty="0" err="1"/>
+              <a:t>XGBoost</a:t>
+            </a:r>
+            <a:endParaRPr sz="2800" dirty="0"/>
+          </a:p>
+          <a:p>
+            <a:r>
+              <a:rPr sz="2800" dirty="0"/>
+              <a:t>- </a:t>
+            </a:r>
+            <a:r>
+              <a:rPr sz="2800" dirty="0" err="1"/>
+              <a:t>KMeans</a:t>
+            </a:r>
+            <a:r>
+              <a:rPr sz="2800" dirty="0"/>
+              <a:t> clustering</a:t>
             </a:r>
           </a:p>
         </p:txBody>
       </p:sp>
     </p:spTree>
+  </p:cSld>
+  <p:clrMapOvr>
+    <a:masterClrMapping/>
+  </p:clrMapOvr>
+</p:sld>
+</file>
+
+<file path=ppt/slides/slide4.xml><?xml version="1.0" encoding="utf-8"?>
+<p:sld xmlns:a="http://schemas.openxmlformats.org/drawingml/2006/main" xmlns:r="http://schemas.openxmlformats.org/officeDocument/2006/relationships" xmlns:p="http://schemas.openxmlformats.org/presentationml/2006/main">
+  <p:cSld>
+    <p:spTree>
+      <p:nvGrpSpPr>
+        <p:cNvPr id="1" name=""/>
+        <p:cNvGrpSpPr/>
+        <p:nvPr/>
+      </p:nvGrpSpPr>
+      <p:grpSpPr>
+        <a:xfrm>
+          <a:off x="0" y="0"/>
+          <a:ext cx="0" cy="0"/>
+          <a:chOff x="0" y="0"/>
+          <a:chExt cx="0" cy="0"/>
+        </a:xfrm>
+      </p:grpSpPr>
+      <p:sp>
+        <p:nvSpPr>
+          <p:cNvPr id="2" name="Title 1">
+            <a:extLst>
+              <a:ext uri="{FF2B5EF4-FFF2-40B4-BE49-F238E27FC236}">
+                <a16:creationId xmlns:a16="http://schemas.microsoft.com/office/drawing/2014/main" id="{A28C6806-26B5-4725-7133-87BC75202878}"/>
+              </a:ext>
+            </a:extLst>
+          </p:cNvPr>
+          <p:cNvSpPr>
+            <a:spLocks noGrp="1"/>
+          </p:cNvSpPr>
+          <p:nvPr>
+            <p:ph type="title"/>
+          </p:nvPr>
+        </p:nvSpPr>
+        <p:spPr/>
+        <p:txBody>
+          <a:bodyPr>
+            <a:normAutofit/>
+          </a:bodyPr>
+          <a:lstStyle/>
+          <a:p>
+            <a:r>
+              <a:rPr lang="en-US" sz="6600" b="1" u="sng" dirty="0">
+                <a:solidFill>
+                  <a:srgbClr val="0070C0"/>
+                </a:solidFill>
+              </a:rPr>
+              <a:t>Output</a:t>
+            </a:r>
+            <a:endParaRPr lang="en-IN" sz="6600" b="1" u="sng" dirty="0">
+              <a:solidFill>
+                <a:srgbClr val="0070C0"/>
+              </a:solidFill>
+            </a:endParaRPr>
+          </a:p>
+        </p:txBody>
+      </p:sp>
+      <p:pic>
+        <p:nvPicPr>
+          <p:cNvPr id="4" name="Content Placeholder 3">
+            <a:extLst>
+              <a:ext uri="{FF2B5EF4-FFF2-40B4-BE49-F238E27FC236}">
+                <a16:creationId xmlns:a16="http://schemas.microsoft.com/office/drawing/2014/main" id="{600BE373-9E99-EFD8-7170-3B6437DE8C01}"/>
+              </a:ext>
+            </a:extLst>
+          </p:cNvPr>
+          <p:cNvPicPr>
+            <a:picLocks noGrp="1" noChangeAspect="1"/>
+          </p:cNvPicPr>
+          <p:nvPr>
+            <p:ph idx="1"/>
+          </p:nvPr>
+        </p:nvPicPr>
+        <p:blipFill>
+          <a:blip r:embed="rId2"/>
+          <a:stretch>
+            <a:fillRect/>
+          </a:stretch>
+        </p:blipFill>
+        <p:spPr>
+          <a:xfrm>
+            <a:off x="626636" y="2057399"/>
+            <a:ext cx="8060164" cy="4525963"/>
+          </a:xfrm>
+          <a:prstGeom prst="rect">
+            <a:avLst/>
+          </a:prstGeom>
+        </p:spPr>
+      </p:pic>
+    </p:spTree>
+    <p:extLst>
+      <p:ext uri="{BB962C8B-B14F-4D97-AF65-F5344CB8AC3E}">
+        <p14:creationId xmlns:p14="http://schemas.microsoft.com/office/powerpoint/2010/main" val="3279416650"/>
+      </p:ext>
+    </p:extLst>
+  </p:cSld>
+  <p:clrMapOvr>
+    <a:masterClrMapping/>
+  </p:clrMapOvr>
+</p:sld>
+</file>
+
+<file path=ppt/slides/slide5.xml><?xml version="1.0" encoding="utf-8"?>
+<p:sld xmlns:a="http://schemas.openxmlformats.org/drawingml/2006/main" xmlns:r="http://schemas.openxmlformats.org/officeDocument/2006/relationships" xmlns:p="http://schemas.openxmlformats.org/presentationml/2006/main">
+  <p:cSld>
+    <p:spTree>
+      <p:nvGrpSpPr>
+        <p:cNvPr id="1" name=""/>
+        <p:cNvGrpSpPr/>
+        <p:nvPr/>
+      </p:nvGrpSpPr>
+      <p:grpSpPr>
+        <a:xfrm>
+          <a:off x="0" y="0"/>
+          <a:ext cx="0" cy="0"/>
+          <a:chOff x="0" y="0"/>
+          <a:chExt cx="0" cy="0"/>
+        </a:xfrm>
+      </p:grpSpPr>
+      <p:pic>
+        <p:nvPicPr>
+          <p:cNvPr id="4" name="Content Placeholder 3">
+            <a:extLst>
+              <a:ext uri="{FF2B5EF4-FFF2-40B4-BE49-F238E27FC236}">
+                <a16:creationId xmlns:a16="http://schemas.microsoft.com/office/drawing/2014/main" id="{A3876CD4-53A9-B02F-0BE8-B664158EC27A}"/>
+              </a:ext>
+            </a:extLst>
+          </p:cNvPr>
+          <p:cNvPicPr>
+            <a:picLocks noGrp="1" noChangeAspect="1"/>
+          </p:cNvPicPr>
+          <p:nvPr>
+            <p:ph idx="1"/>
+          </p:nvPr>
+        </p:nvPicPr>
+        <p:blipFill>
+          <a:blip r:embed="rId2"/>
+          <a:stretch>
+            <a:fillRect/>
+          </a:stretch>
+        </p:blipFill>
+        <p:spPr>
+          <a:xfrm>
+            <a:off x="337637" y="185057"/>
+            <a:ext cx="8033478" cy="3222170"/>
+          </a:xfrm>
+          <a:prstGeom prst="rect">
+            <a:avLst/>
+          </a:prstGeom>
+        </p:spPr>
+      </p:pic>
+      <p:pic>
+        <p:nvPicPr>
+          <p:cNvPr id="5" name="Picture 4">
+            <a:extLst>
+              <a:ext uri="{FF2B5EF4-FFF2-40B4-BE49-F238E27FC236}">
+                <a16:creationId xmlns:a16="http://schemas.microsoft.com/office/drawing/2014/main" id="{10747D55-5B24-0001-314F-05CF6C15D67B}"/>
+              </a:ext>
+            </a:extLst>
+          </p:cNvPr>
+          <p:cNvPicPr>
+            <a:picLocks noChangeAspect="1"/>
+          </p:cNvPicPr>
+          <p:nvPr/>
+        </p:nvPicPr>
+        <p:blipFill>
+          <a:blip r:embed="rId3"/>
+          <a:stretch>
+            <a:fillRect/>
+          </a:stretch>
+        </p:blipFill>
+        <p:spPr>
+          <a:xfrm>
+            <a:off x="370294" y="3657600"/>
+            <a:ext cx="8033478" cy="3222171"/>
+          </a:xfrm>
+          <a:prstGeom prst="rect">
+            <a:avLst/>
+          </a:prstGeom>
+        </p:spPr>
+      </p:pic>
+    </p:spTree>
+    <p:extLst>
+      <p:ext uri="{BB962C8B-B14F-4D97-AF65-F5344CB8AC3E}">
+        <p14:creationId xmlns:p14="http://schemas.microsoft.com/office/powerpoint/2010/main" val="2093146124"/>
+      </p:ext>
+    </p:extLst>
+  </p:cSld>
+  <p:clrMapOvr>
+    <a:masterClrMapping/>
+  </p:clrMapOvr>
+</p:sld>
+</file>
+
+<file path=ppt/slides/slide6.xml><?xml version="1.0" encoding="utf-8"?>
+<p:sld xmlns:a="http://schemas.openxmlformats.org/drawingml/2006/main" xmlns:r="http://schemas.openxmlformats.org/officeDocument/2006/relationships" xmlns:p="http://schemas.openxmlformats.org/presentationml/2006/main">
+  <p:cSld>
+    <p:spTree>
+      <p:nvGrpSpPr>
+        <p:cNvPr id="1" name=""/>
+        <p:cNvGrpSpPr/>
+        <p:nvPr/>
+      </p:nvGrpSpPr>
+      <p:grpSpPr>
+        <a:xfrm>
+          <a:off x="0" y="0"/>
+          <a:ext cx="0" cy="0"/>
+          <a:chOff x="0" y="0"/>
+          <a:chExt cx="0" cy="0"/>
+        </a:xfrm>
+      </p:grpSpPr>
+      <p:pic>
+        <p:nvPicPr>
+          <p:cNvPr id="4" name="Content Placeholder 3">
+            <a:extLst>
+              <a:ext uri="{FF2B5EF4-FFF2-40B4-BE49-F238E27FC236}">
+                <a16:creationId xmlns:a16="http://schemas.microsoft.com/office/drawing/2014/main" id="{0F45650C-A959-0FE1-F44F-144DDA194F6A}"/>
+              </a:ext>
+            </a:extLst>
+          </p:cNvPr>
+          <p:cNvPicPr>
+            <a:picLocks noGrp="1" noChangeAspect="1"/>
+          </p:cNvPicPr>
+          <p:nvPr>
+            <p:ph idx="1"/>
+          </p:nvPr>
+        </p:nvPicPr>
+        <p:blipFill>
+          <a:blip r:embed="rId2"/>
+          <a:stretch>
+            <a:fillRect/>
+          </a:stretch>
+        </p:blipFill>
+        <p:spPr>
+          <a:xfrm>
+            <a:off x="402771" y="163284"/>
+            <a:ext cx="8120743" cy="3265715"/>
+          </a:xfrm>
+          <a:prstGeom prst="rect">
+            <a:avLst/>
+          </a:prstGeom>
+        </p:spPr>
+      </p:pic>
+      <p:pic>
+        <p:nvPicPr>
+          <p:cNvPr id="5" name="Picture 4">
+            <a:extLst>
+              <a:ext uri="{FF2B5EF4-FFF2-40B4-BE49-F238E27FC236}">
+                <a16:creationId xmlns:a16="http://schemas.microsoft.com/office/drawing/2014/main" id="{46507099-A32D-D75E-1519-5E511CE0EA68}"/>
+              </a:ext>
+            </a:extLst>
+          </p:cNvPr>
+          <p:cNvPicPr>
+            <a:picLocks noChangeAspect="1"/>
+          </p:cNvPicPr>
+          <p:nvPr/>
+        </p:nvPicPr>
+        <p:blipFill>
+          <a:blip r:embed="rId3"/>
+          <a:stretch>
+            <a:fillRect/>
+          </a:stretch>
+        </p:blipFill>
+        <p:spPr>
+          <a:xfrm>
+            <a:off x="402772" y="3738609"/>
+            <a:ext cx="8120742" cy="2982686"/>
+          </a:xfrm>
+          <a:prstGeom prst="rect">
+            <a:avLst/>
+          </a:prstGeom>
+        </p:spPr>
+      </p:pic>
+    </p:spTree>
+    <p:extLst>
+      <p:ext uri="{BB962C8B-B14F-4D97-AF65-F5344CB8AC3E}">
+        <p14:creationId xmlns:p14="http://schemas.microsoft.com/office/powerpoint/2010/main" val="642091320"/>
+      </p:ext>
+    </p:extLst>
+  </p:cSld>
+  <p:clrMapOvr>
+    <a:masterClrMapping/>
+  </p:clrMapOvr>
+</p:sld>
+</file>
+
+<file path=ppt/slides/slide7.xml><?xml version="1.0" encoding="utf-8"?>
+<p:sld xmlns:a="http://schemas.openxmlformats.org/drawingml/2006/main" xmlns:r="http://schemas.openxmlformats.org/officeDocument/2006/relationships" xmlns:p="http://schemas.openxmlformats.org/presentationml/2006/main">
+  <p:cSld>
+    <p:spTree>
+      <p:nvGrpSpPr>
+        <p:cNvPr id="1" name=""/>
+        <p:cNvGrpSpPr/>
+        <p:nvPr/>
+      </p:nvGrpSpPr>
+      <p:grpSpPr>
+        <a:xfrm>
+          <a:off x="0" y="0"/>
+          <a:ext cx="0" cy="0"/>
+          <a:chOff x="0" y="0"/>
+          <a:chExt cx="0" cy="0"/>
+        </a:xfrm>
+      </p:grpSpPr>
+      <p:sp>
+        <p:nvSpPr>
+          <p:cNvPr id="2" name="Title 1">
+            <a:extLst>
+              <a:ext uri="{FF2B5EF4-FFF2-40B4-BE49-F238E27FC236}">
+                <a16:creationId xmlns:a16="http://schemas.microsoft.com/office/drawing/2014/main" id="{8C5C88B4-4395-4BC6-7BC8-2EFAB0A10846}"/>
+              </a:ext>
+            </a:extLst>
+          </p:cNvPr>
+          <p:cNvSpPr>
+            <a:spLocks noGrp="1"/>
+          </p:cNvSpPr>
+          <p:nvPr>
+            <p:ph type="title"/>
+          </p:nvPr>
+        </p:nvSpPr>
+        <p:spPr>
+          <a:xfrm>
+            <a:off x="315685" y="3856038"/>
+            <a:ext cx="8556171" cy="2321152"/>
+          </a:xfrm>
+        </p:spPr>
+        <p:txBody>
+          <a:bodyPr>
+            <a:normAutofit/>
+          </a:bodyPr>
+          <a:lstStyle/>
+          <a:p>
+            <a:pPr algn="l"/>
+            <a:r>
+              <a:rPr lang="en-US" sz="2700" dirty="0"/>
+              <a:t>GitHub Rep : </a:t>
+            </a:r>
+            <a:r>
+              <a:rPr lang="en-US" sz="2700" dirty="0">
+                <a:hlinkClick r:id="rId2"/>
+              </a:rPr>
+              <a:t>https://github.com/subalakshmi-ds/sales-forecasting-clustering-project/tree/main</a:t>
+            </a:r>
+            <a:br>
+              <a:rPr lang="en-US" dirty="0"/>
+            </a:br>
+            <a:endParaRPr lang="en-IN" dirty="0"/>
+          </a:p>
+        </p:txBody>
+      </p:sp>
+      <p:pic>
+        <p:nvPicPr>
+          <p:cNvPr id="8" name="Picture 7">
+            <a:extLst>
+              <a:ext uri="{FF2B5EF4-FFF2-40B4-BE49-F238E27FC236}">
+                <a16:creationId xmlns:a16="http://schemas.microsoft.com/office/drawing/2014/main" id="{39D2332A-15B0-6D7D-E284-462C519AD750}"/>
+              </a:ext>
+            </a:extLst>
+          </p:cNvPr>
+          <p:cNvPicPr>
+            <a:picLocks noChangeAspect="1"/>
+          </p:cNvPicPr>
+          <p:nvPr/>
+        </p:nvPicPr>
+        <p:blipFill>
+          <a:blip r:embed="rId3"/>
+          <a:stretch>
+            <a:fillRect/>
+          </a:stretch>
+        </p:blipFill>
+        <p:spPr>
+          <a:xfrm>
+            <a:off x="315685" y="174399"/>
+            <a:ext cx="8556171" cy="3330801"/>
+          </a:xfrm>
+          <a:prstGeom prst="rect">
+            <a:avLst/>
+          </a:prstGeom>
+        </p:spPr>
+      </p:pic>
+    </p:spTree>
+    <p:extLst>
+      <p:ext uri="{BB962C8B-B14F-4D97-AF65-F5344CB8AC3E}">
+        <p14:creationId xmlns:p14="http://schemas.microsoft.com/office/powerpoint/2010/main" val="3811782765"/>
+      </p:ext>
+    </p:extLst>
   </p:cSld>
   <p:clrMapOvr>
     <a:masterClrMapping/>
